--- a/final_doku/images/architecture.pptx
+++ b/final_doku/images/architecture.pptx
@@ -6,6 +6,8 @@
   </p:sldMasterIdLst>
   <p:sldIdLst>
     <p:sldId id="256" r:id="rId2"/>
+    <p:sldId id="260" r:id="rId3"/>
+    <p:sldId id="261" r:id="rId4"/>
   </p:sldIdLst>
   <p:sldSz cx="9144000" cy="6858000" type="screen4x3"/>
   <p:notesSz cx="6858000" cy="9144000"/>
@@ -287,7 +289,7 @@
           <a:lstStyle/>
           <a:p>
             <a:fld id="{8EDB1596-9BB3-6D4C-91A7-9E8A9C8D06CE}" type="datetimeFigureOut">
-              <a:t>11/07/15</a:t>
+              <a:t>15/07/15</a:t>
             </a:fld>
             <a:endParaRPr lang="en-GB"/>
           </a:p>
@@ -455,7 +457,7 @@
           <a:lstStyle/>
           <a:p>
             <a:fld id="{8EDB1596-9BB3-6D4C-91A7-9E8A9C8D06CE}" type="datetimeFigureOut">
-              <a:t>11/07/15</a:t>
+              <a:t>15/07/15</a:t>
             </a:fld>
             <a:endParaRPr lang="en-GB"/>
           </a:p>
@@ -633,7 +635,7 @@
           <a:lstStyle/>
           <a:p>
             <a:fld id="{8EDB1596-9BB3-6D4C-91A7-9E8A9C8D06CE}" type="datetimeFigureOut">
-              <a:t>11/07/15</a:t>
+              <a:t>15/07/15</a:t>
             </a:fld>
             <a:endParaRPr lang="en-GB"/>
           </a:p>
@@ -801,7 +803,7 @@
           <a:lstStyle/>
           <a:p>
             <a:fld id="{8EDB1596-9BB3-6D4C-91A7-9E8A9C8D06CE}" type="datetimeFigureOut">
-              <a:t>11/07/15</a:t>
+              <a:t>15/07/15</a:t>
             </a:fld>
             <a:endParaRPr lang="en-GB"/>
           </a:p>
@@ -1045,7 +1047,7 @@
           <a:lstStyle/>
           <a:p>
             <a:fld id="{8EDB1596-9BB3-6D4C-91A7-9E8A9C8D06CE}" type="datetimeFigureOut">
-              <a:t>11/07/15</a:t>
+              <a:t>15/07/15</a:t>
             </a:fld>
             <a:endParaRPr lang="en-GB"/>
           </a:p>
@@ -1331,7 +1333,7 @@
           <a:lstStyle/>
           <a:p>
             <a:fld id="{8EDB1596-9BB3-6D4C-91A7-9E8A9C8D06CE}" type="datetimeFigureOut">
-              <a:t>11/07/15</a:t>
+              <a:t>15/07/15</a:t>
             </a:fld>
             <a:endParaRPr lang="en-GB"/>
           </a:p>
@@ -1751,7 +1753,7 @@
           <a:lstStyle/>
           <a:p>
             <a:fld id="{8EDB1596-9BB3-6D4C-91A7-9E8A9C8D06CE}" type="datetimeFigureOut">
-              <a:t>11/07/15</a:t>
+              <a:t>15/07/15</a:t>
             </a:fld>
             <a:endParaRPr lang="en-GB"/>
           </a:p>
@@ -1867,7 +1869,7 @@
           <a:lstStyle/>
           <a:p>
             <a:fld id="{8EDB1596-9BB3-6D4C-91A7-9E8A9C8D06CE}" type="datetimeFigureOut">
-              <a:t>11/07/15</a:t>
+              <a:t>15/07/15</a:t>
             </a:fld>
             <a:endParaRPr lang="en-GB"/>
           </a:p>
@@ -1960,7 +1962,7 @@
           <a:lstStyle/>
           <a:p>
             <a:fld id="{8EDB1596-9BB3-6D4C-91A7-9E8A9C8D06CE}" type="datetimeFigureOut">
-              <a:t>11/07/15</a:t>
+              <a:t>15/07/15</a:t>
             </a:fld>
             <a:endParaRPr lang="en-GB"/>
           </a:p>
@@ -2235,7 +2237,7 @@
           <a:lstStyle/>
           <a:p>
             <a:fld id="{8EDB1596-9BB3-6D4C-91A7-9E8A9C8D06CE}" type="datetimeFigureOut">
-              <a:t>11/07/15</a:t>
+              <a:t>15/07/15</a:t>
             </a:fld>
             <a:endParaRPr lang="en-GB"/>
           </a:p>
@@ -2486,7 +2488,7 @@
           <a:lstStyle/>
           <a:p>
             <a:fld id="{8EDB1596-9BB3-6D4C-91A7-9E8A9C8D06CE}" type="datetimeFigureOut">
-              <a:t>11/07/15</a:t>
+              <a:t>15/07/15</a:t>
             </a:fld>
             <a:endParaRPr lang="en-GB"/>
           </a:p>
@@ -2697,7 +2699,7 @@
           </a:lstStyle>
           <a:p>
             <a:fld id="{8EDB1596-9BB3-6D4C-91A7-9E8A9C8D06CE}" type="datetimeFigureOut">
-              <a:t>11/07/15</a:t>
+              <a:t>15/07/15</a:t>
             </a:fld>
             <a:endParaRPr lang="en-GB"/>
           </a:p>
@@ -3737,6 +3739,1254 @@
     <p:extLst>
       <p:ext uri="{BB962C8B-B14F-4D97-AF65-F5344CB8AC3E}">
         <p14:creationId xmlns:p14="http://schemas.microsoft.com/office/powerpoint/2010/main" val="134452993"/>
+      </p:ext>
+    </p:extLst>
+  </p:cSld>
+  <p:clrMapOvr>
+    <a:masterClrMapping/>
+  </p:clrMapOvr>
+</p:sld>
+</file>
+
+<file path=ppt/slides/slide2.xml><?xml version="1.0" encoding="utf-8"?>
+<p:sld xmlns:a="http://schemas.openxmlformats.org/drawingml/2006/main" xmlns:r="http://schemas.openxmlformats.org/officeDocument/2006/relationships" xmlns:p="http://schemas.openxmlformats.org/presentationml/2006/main">
+  <p:cSld>
+    <p:spTree>
+      <p:nvGrpSpPr>
+        <p:cNvPr id="1" name=""/>
+        <p:cNvGrpSpPr/>
+        <p:nvPr/>
+      </p:nvGrpSpPr>
+      <p:grpSpPr>
+        <a:xfrm>
+          <a:off x="0" y="0"/>
+          <a:ext cx="0" cy="0"/>
+          <a:chOff x="0" y="0"/>
+          <a:chExt cx="0" cy="0"/>
+        </a:xfrm>
+      </p:grpSpPr>
+      <p:sp>
+        <p:nvSpPr>
+          <p:cNvPr id="4" name="Rectangle 3"/>
+          <p:cNvSpPr/>
+          <p:nvPr/>
+        </p:nvSpPr>
+        <p:spPr>
+          <a:xfrm>
+            <a:off x="1397000" y="4390572"/>
+            <a:ext cx="2013857" cy="979714"/>
+          </a:xfrm>
+          <a:prstGeom prst="rect">
+            <a:avLst/>
+          </a:prstGeom>
+        </p:spPr>
+        <p:style>
+          <a:lnRef idx="1">
+            <a:schemeClr val="accent1"/>
+          </a:lnRef>
+          <a:fillRef idx="3">
+            <a:schemeClr val="accent1"/>
+          </a:fillRef>
+          <a:effectRef idx="2">
+            <a:schemeClr val="accent1"/>
+          </a:effectRef>
+          <a:fontRef idx="minor">
+            <a:schemeClr val="lt1"/>
+          </a:fontRef>
+        </p:style>
+        <p:txBody>
+          <a:bodyPr rtlCol="0" anchor="ctr"/>
+          <a:lstStyle/>
+          <a:p>
+            <a:pPr algn="ctr"/>
+            <a:r>
+              <a:rPr lang="en-GB"/>
+              <a:t>Mobile device</a:t>
+            </a:r>
+          </a:p>
+          <a:p>
+            <a:pPr algn="ctr"/>
+            <a:r>
+              <a:rPr lang="en-GB"/>
+              <a:t>(Android)</a:t>
+            </a:r>
+          </a:p>
+        </p:txBody>
+      </p:sp>
+      <p:sp>
+        <p:nvSpPr>
+          <p:cNvPr id="5" name="Rectangle 4"/>
+          <p:cNvSpPr/>
+          <p:nvPr/>
+        </p:nvSpPr>
+        <p:spPr>
+          <a:xfrm>
+            <a:off x="6656614" y="4390572"/>
+            <a:ext cx="2013857" cy="979714"/>
+          </a:xfrm>
+          <a:prstGeom prst="rect">
+            <a:avLst/>
+          </a:prstGeom>
+        </p:spPr>
+        <p:style>
+          <a:lnRef idx="1">
+            <a:schemeClr val="accent1"/>
+          </a:lnRef>
+          <a:fillRef idx="3">
+            <a:schemeClr val="accent1"/>
+          </a:fillRef>
+          <a:effectRef idx="2">
+            <a:schemeClr val="accent1"/>
+          </a:effectRef>
+          <a:fontRef idx="minor">
+            <a:schemeClr val="lt1"/>
+          </a:fontRef>
+        </p:style>
+        <p:txBody>
+          <a:bodyPr rtlCol="0" anchor="ctr"/>
+          <a:lstStyle/>
+          <a:p>
+            <a:pPr algn="ctr"/>
+            <a:r>
+              <a:rPr lang="en-GB"/>
+              <a:t>Door system</a:t>
+            </a:r>
+          </a:p>
+          <a:p>
+            <a:pPr algn="ctr"/>
+            <a:r>
+              <a:rPr lang="en-GB"/>
+              <a:t>(NFC terminal + computer)</a:t>
+            </a:r>
+          </a:p>
+        </p:txBody>
+      </p:sp>
+      <p:sp>
+        <p:nvSpPr>
+          <p:cNvPr id="6" name="Oval 5"/>
+          <p:cNvSpPr/>
+          <p:nvPr/>
+        </p:nvSpPr>
+        <p:spPr>
+          <a:xfrm>
+            <a:off x="1397000" y="2311401"/>
+            <a:ext cx="2013857" cy="979714"/>
+          </a:xfrm>
+          <a:prstGeom prst="ellipse">
+            <a:avLst/>
+          </a:prstGeom>
+        </p:spPr>
+        <p:style>
+          <a:lnRef idx="1">
+            <a:schemeClr val="dk1"/>
+          </a:lnRef>
+          <a:fillRef idx="3">
+            <a:schemeClr val="dk1"/>
+          </a:fillRef>
+          <a:effectRef idx="2">
+            <a:schemeClr val="dk1"/>
+          </a:effectRef>
+          <a:fontRef idx="minor">
+            <a:schemeClr val="lt1"/>
+          </a:fontRef>
+        </p:style>
+        <p:txBody>
+          <a:bodyPr rtlCol="0" anchor="ctr"/>
+          <a:lstStyle/>
+          <a:p>
+            <a:pPr algn="ctr"/>
+            <a:r>
+              <a:rPr lang="en-GB"/>
+              <a:t>TUMOnline</a:t>
+            </a:r>
+          </a:p>
+        </p:txBody>
+      </p:sp>
+      <p:sp>
+        <p:nvSpPr>
+          <p:cNvPr id="7" name="Oval 6"/>
+          <p:cNvSpPr/>
+          <p:nvPr/>
+        </p:nvSpPr>
+        <p:spPr>
+          <a:xfrm>
+            <a:off x="6656614" y="1540329"/>
+            <a:ext cx="2013857" cy="979714"/>
+          </a:xfrm>
+          <a:prstGeom prst="ellipse">
+            <a:avLst/>
+          </a:prstGeom>
+        </p:spPr>
+        <p:style>
+          <a:lnRef idx="1">
+            <a:schemeClr val="accent1"/>
+          </a:lnRef>
+          <a:fillRef idx="3">
+            <a:schemeClr val="accent1"/>
+          </a:fillRef>
+          <a:effectRef idx="2">
+            <a:schemeClr val="accent1"/>
+          </a:effectRef>
+          <a:fontRef idx="minor">
+            <a:schemeClr val="lt1"/>
+          </a:fontRef>
+        </p:style>
+        <p:txBody>
+          <a:bodyPr rtlCol="0" anchor="ctr"/>
+          <a:lstStyle/>
+          <a:p>
+            <a:pPr algn="ctr"/>
+            <a:r>
+              <a:rPr lang="en-GB"/>
+              <a:t>Backend server</a:t>
+            </a:r>
+          </a:p>
+        </p:txBody>
+      </p:sp>
+      <p:sp>
+        <p:nvSpPr>
+          <p:cNvPr id="8" name="Oval 7"/>
+          <p:cNvSpPr/>
+          <p:nvPr/>
+        </p:nvSpPr>
+        <p:spPr>
+          <a:xfrm>
+            <a:off x="1397000" y="812801"/>
+            <a:ext cx="2013857" cy="979714"/>
+          </a:xfrm>
+          <a:prstGeom prst="ellipse">
+            <a:avLst/>
+          </a:prstGeom>
+        </p:spPr>
+        <p:style>
+          <a:lnRef idx="1">
+            <a:schemeClr val="dk1"/>
+          </a:lnRef>
+          <a:fillRef idx="3">
+            <a:schemeClr val="dk1"/>
+          </a:fillRef>
+          <a:effectRef idx="2">
+            <a:schemeClr val="dk1"/>
+          </a:effectRef>
+          <a:fontRef idx="minor">
+            <a:schemeClr val="lt1"/>
+          </a:fontRef>
+        </p:style>
+        <p:txBody>
+          <a:bodyPr rtlCol="0" anchor="ctr"/>
+          <a:lstStyle/>
+          <a:p>
+            <a:pPr algn="ctr"/>
+            <a:r>
+              <a:rPr lang="en-GB"/>
+              <a:t>TUM Active Directory</a:t>
+            </a:r>
+          </a:p>
+        </p:txBody>
+      </p:sp>
+      <p:cxnSp>
+        <p:nvCxnSpPr>
+          <p:cNvPr id="10" name="Straight Arrow Connector 9"/>
+          <p:cNvCxnSpPr>
+            <a:stCxn id="7" idx="1"/>
+            <a:endCxn id="6" idx="7"/>
+          </p:cNvCxnSpPr>
+          <p:nvPr/>
+        </p:nvCxnSpPr>
+        <p:spPr>
+          <a:xfrm flipH="1">
+            <a:off x="3115934" y="1683805"/>
+            <a:ext cx="3835603" cy="771072"/>
+          </a:xfrm>
+          <a:prstGeom prst="straightConnector1">
+            <a:avLst/>
+          </a:prstGeom>
+          <a:ln>
+            <a:solidFill>
+              <a:schemeClr val="tx1">
+                <a:lumMod val="75000"/>
+                <a:lumOff val="25000"/>
+              </a:schemeClr>
+            </a:solidFill>
+            <a:tailEnd type="arrow"/>
+          </a:ln>
+        </p:spPr>
+        <p:style>
+          <a:lnRef idx="2">
+            <a:schemeClr val="accent1"/>
+          </a:lnRef>
+          <a:fillRef idx="0">
+            <a:schemeClr val="accent1"/>
+          </a:fillRef>
+          <a:effectRef idx="1">
+            <a:schemeClr val="accent1"/>
+          </a:effectRef>
+          <a:fontRef idx="minor">
+            <a:schemeClr val="tx1"/>
+          </a:fontRef>
+        </p:style>
+      </p:cxnSp>
+      <p:sp>
+        <p:nvSpPr>
+          <p:cNvPr id="11" name="TextBox 10"/>
+          <p:cNvSpPr txBox="1"/>
+          <p:nvPr/>
+        </p:nvSpPr>
+        <p:spPr>
+          <a:xfrm rot="20887030">
+            <a:off x="3712427" y="1737408"/>
+            <a:ext cx="2349734" cy="369332"/>
+          </a:xfrm>
+          <a:prstGeom prst="rect">
+            <a:avLst/>
+          </a:prstGeom>
+          <a:noFill/>
+        </p:spPr>
+        <p:txBody>
+          <a:bodyPr wrap="none" rtlCol="0">
+            <a:spAutoFit/>
+          </a:bodyPr>
+          <a:lstStyle/>
+          <a:p>
+            <a:pPr algn="ctr"/>
+            <a:r>
+              <a:rPr lang="en-GB"/>
+              <a:t>2.) Request TUM token</a:t>
+            </a:r>
+          </a:p>
+        </p:txBody>
+      </p:sp>
+      <p:cxnSp>
+        <p:nvCxnSpPr>
+          <p:cNvPr id="24" name="Straight Arrow Connector 23"/>
+          <p:cNvCxnSpPr/>
+          <p:nvPr/>
+        </p:nvCxnSpPr>
+        <p:spPr>
+          <a:xfrm flipV="1">
+            <a:off x="3410857" y="2311401"/>
+            <a:ext cx="3430397" cy="2079172"/>
+          </a:xfrm>
+          <a:prstGeom prst="straightConnector1">
+            <a:avLst/>
+          </a:prstGeom>
+          <a:ln>
+            <a:solidFill>
+              <a:schemeClr val="tx1">
+                <a:lumMod val="75000"/>
+                <a:lumOff val="25000"/>
+              </a:schemeClr>
+            </a:solidFill>
+            <a:headEnd type="none"/>
+            <a:tailEnd type="arrow"/>
+          </a:ln>
+        </p:spPr>
+        <p:style>
+          <a:lnRef idx="2">
+            <a:schemeClr val="accent1"/>
+          </a:lnRef>
+          <a:fillRef idx="0">
+            <a:schemeClr val="accent1"/>
+          </a:fillRef>
+          <a:effectRef idx="1">
+            <a:schemeClr val="accent1"/>
+          </a:effectRef>
+          <a:fontRef idx="minor">
+            <a:schemeClr val="tx1"/>
+          </a:fontRef>
+        </p:style>
+      </p:cxnSp>
+      <p:sp>
+        <p:nvSpPr>
+          <p:cNvPr id="28" name="TextBox 27"/>
+          <p:cNvSpPr txBox="1"/>
+          <p:nvPr/>
+        </p:nvSpPr>
+        <p:spPr>
+          <a:xfrm rot="19790900">
+            <a:off x="3652651" y="3117940"/>
+            <a:ext cx="2480166" cy="369332"/>
+          </a:xfrm>
+          <a:prstGeom prst="rect">
+            <a:avLst/>
+          </a:prstGeom>
+          <a:noFill/>
+        </p:spPr>
+        <p:txBody>
+          <a:bodyPr wrap="none" rtlCol="0">
+            <a:spAutoFit/>
+          </a:bodyPr>
+          <a:lstStyle/>
+          <a:p>
+            <a:pPr algn="ctr"/>
+            <a:r>
+              <a:rPr lang="en-GB"/>
+              <a:t>1.) Register with TUM ID</a:t>
+            </a:r>
+          </a:p>
+        </p:txBody>
+      </p:sp>
+      <p:cxnSp>
+        <p:nvCxnSpPr>
+          <p:cNvPr id="29" name="Straight Arrow Connector 28"/>
+          <p:cNvCxnSpPr>
+            <a:stCxn id="4" idx="0"/>
+            <a:endCxn id="6" idx="4"/>
+          </p:cNvCxnSpPr>
+          <p:nvPr/>
+        </p:nvCxnSpPr>
+        <p:spPr>
+          <a:xfrm flipV="1">
+            <a:off x="2403929" y="3291115"/>
+            <a:ext cx="0" cy="1099457"/>
+          </a:xfrm>
+          <a:prstGeom prst="straightConnector1">
+            <a:avLst/>
+          </a:prstGeom>
+          <a:ln>
+            <a:solidFill>
+              <a:schemeClr val="tx1">
+                <a:lumMod val="75000"/>
+                <a:lumOff val="25000"/>
+              </a:schemeClr>
+            </a:solidFill>
+            <a:prstDash val="dash"/>
+            <a:tailEnd type="arrow"/>
+          </a:ln>
+        </p:spPr>
+        <p:style>
+          <a:lnRef idx="2">
+            <a:schemeClr val="accent1"/>
+          </a:lnRef>
+          <a:fillRef idx="0">
+            <a:schemeClr val="accent1"/>
+          </a:fillRef>
+          <a:effectRef idx="1">
+            <a:schemeClr val="accent1"/>
+          </a:effectRef>
+          <a:fontRef idx="minor">
+            <a:schemeClr val="tx1"/>
+          </a:fontRef>
+        </p:style>
+      </p:cxnSp>
+      <p:sp>
+        <p:nvSpPr>
+          <p:cNvPr id="32" name="TextBox 31"/>
+          <p:cNvSpPr txBox="1"/>
+          <p:nvPr/>
+        </p:nvSpPr>
+        <p:spPr>
+          <a:xfrm>
+            <a:off x="1478639" y="3673536"/>
+            <a:ext cx="1841182" cy="369332"/>
+          </a:xfrm>
+          <a:prstGeom prst="rect">
+            <a:avLst/>
+          </a:prstGeom>
+          <a:solidFill>
+            <a:schemeClr val="bg1"/>
+          </a:solidFill>
+        </p:spPr>
+        <p:txBody>
+          <a:bodyPr wrap="none" rtlCol="0">
+            <a:spAutoFit/>
+          </a:bodyPr>
+          <a:lstStyle/>
+          <a:p>
+            <a:r>
+              <a:rPr lang="en-GB"/>
+              <a:t>5</a:t>
+            </a:r>
+            <a:r>
+              <a:rPr lang="en-GB"/>
+              <a:t>.) Activate token</a:t>
+            </a:r>
+          </a:p>
+        </p:txBody>
+      </p:sp>
+      <p:cxnSp>
+        <p:nvCxnSpPr>
+          <p:cNvPr id="21" name="Straight Arrow Connector 20"/>
+          <p:cNvCxnSpPr>
+            <a:stCxn id="6" idx="6"/>
+            <a:endCxn id="7" idx="2"/>
+          </p:cNvCxnSpPr>
+          <p:nvPr/>
+        </p:nvCxnSpPr>
+        <p:spPr>
+          <a:xfrm flipV="1">
+            <a:off x="3410857" y="2030186"/>
+            <a:ext cx="3245757" cy="771072"/>
+          </a:xfrm>
+          <a:prstGeom prst="straightConnector1">
+            <a:avLst/>
+          </a:prstGeom>
+          <a:ln>
+            <a:solidFill>
+              <a:schemeClr val="tx1">
+                <a:lumMod val="75000"/>
+                <a:lumOff val="25000"/>
+              </a:schemeClr>
+            </a:solidFill>
+            <a:tailEnd type="arrow"/>
+          </a:ln>
+        </p:spPr>
+        <p:style>
+          <a:lnRef idx="2">
+            <a:schemeClr val="accent1"/>
+          </a:lnRef>
+          <a:fillRef idx="0">
+            <a:schemeClr val="accent1"/>
+          </a:fillRef>
+          <a:effectRef idx="1">
+            <a:schemeClr val="accent1"/>
+          </a:effectRef>
+          <a:fontRef idx="minor">
+            <a:schemeClr val="tx1"/>
+          </a:fontRef>
+        </p:style>
+      </p:cxnSp>
+      <p:sp>
+        <p:nvSpPr>
+          <p:cNvPr id="25" name="TextBox 24"/>
+          <p:cNvSpPr txBox="1"/>
+          <p:nvPr/>
+        </p:nvSpPr>
+        <p:spPr>
+          <a:xfrm rot="20792841">
+            <a:off x="4182221" y="2371662"/>
+            <a:ext cx="1714945" cy="369332"/>
+          </a:xfrm>
+          <a:prstGeom prst="rect">
+            <a:avLst/>
+          </a:prstGeom>
+          <a:noFill/>
+        </p:spPr>
+        <p:txBody>
+          <a:bodyPr wrap="none" rtlCol="0">
+            <a:spAutoFit/>
+          </a:bodyPr>
+          <a:lstStyle/>
+          <a:p>
+            <a:pPr algn="ctr"/>
+            <a:r>
+              <a:rPr lang="en-GB"/>
+              <a:t>3</a:t>
+            </a:r>
+            <a:r>
+              <a:rPr lang="en-GB"/>
+              <a:t>.) Return token</a:t>
+            </a:r>
+          </a:p>
+        </p:txBody>
+      </p:sp>
+      <p:cxnSp>
+        <p:nvCxnSpPr>
+          <p:cNvPr id="26" name="Straight Arrow Connector 25"/>
+          <p:cNvCxnSpPr>
+            <a:endCxn id="4" idx="3"/>
+          </p:cNvCxnSpPr>
+          <p:nvPr/>
+        </p:nvCxnSpPr>
+        <p:spPr>
+          <a:xfrm flipH="1">
+            <a:off x="3410857" y="2454877"/>
+            <a:ext cx="3755572" cy="2425552"/>
+          </a:xfrm>
+          <a:prstGeom prst="straightConnector1">
+            <a:avLst/>
+          </a:prstGeom>
+          <a:ln>
+            <a:solidFill>
+              <a:schemeClr val="tx1">
+                <a:lumMod val="75000"/>
+                <a:lumOff val="25000"/>
+              </a:schemeClr>
+            </a:solidFill>
+            <a:headEnd type="none"/>
+            <a:tailEnd type="arrow"/>
+          </a:ln>
+        </p:spPr>
+        <p:style>
+          <a:lnRef idx="2">
+            <a:schemeClr val="accent1"/>
+          </a:lnRef>
+          <a:fillRef idx="0">
+            <a:schemeClr val="accent1"/>
+          </a:fillRef>
+          <a:effectRef idx="1">
+            <a:schemeClr val="accent1"/>
+          </a:effectRef>
+          <a:fontRef idx="minor">
+            <a:schemeClr val="tx1"/>
+          </a:fontRef>
+        </p:style>
+      </p:cxnSp>
+      <p:sp>
+        <p:nvSpPr>
+          <p:cNvPr id="30" name="TextBox 29"/>
+          <p:cNvSpPr txBox="1"/>
+          <p:nvPr/>
+        </p:nvSpPr>
+        <p:spPr>
+          <a:xfrm rot="19602588">
+            <a:off x="4260298" y="3416729"/>
+            <a:ext cx="1714945" cy="369332"/>
+          </a:xfrm>
+          <a:prstGeom prst="rect">
+            <a:avLst/>
+          </a:prstGeom>
+          <a:noFill/>
+        </p:spPr>
+        <p:txBody>
+          <a:bodyPr wrap="none" rtlCol="0">
+            <a:spAutoFit/>
+          </a:bodyPr>
+          <a:lstStyle/>
+          <a:p>
+            <a:pPr algn="ctr"/>
+            <a:r>
+              <a:rPr lang="en-GB"/>
+              <a:t>4.) Return token</a:t>
+            </a:r>
+          </a:p>
+        </p:txBody>
+      </p:sp>
+      <p:cxnSp>
+        <p:nvCxnSpPr>
+          <p:cNvPr id="33" name="Straight Arrow Connector 32"/>
+          <p:cNvCxnSpPr>
+            <a:endCxn id="7" idx="4"/>
+          </p:cNvCxnSpPr>
+          <p:nvPr/>
+        </p:nvCxnSpPr>
+        <p:spPr>
+          <a:xfrm flipV="1">
+            <a:off x="3410857" y="2520043"/>
+            <a:ext cx="4252686" cy="2712358"/>
+          </a:xfrm>
+          <a:prstGeom prst="straightConnector1">
+            <a:avLst/>
+          </a:prstGeom>
+          <a:ln>
+            <a:solidFill>
+              <a:schemeClr val="tx1">
+                <a:lumMod val="75000"/>
+                <a:lumOff val="25000"/>
+              </a:schemeClr>
+            </a:solidFill>
+            <a:headEnd type="none"/>
+            <a:tailEnd type="arrow"/>
+          </a:ln>
+        </p:spPr>
+        <p:style>
+          <a:lnRef idx="2">
+            <a:schemeClr val="accent1"/>
+          </a:lnRef>
+          <a:fillRef idx="0">
+            <a:schemeClr val="accent1"/>
+          </a:fillRef>
+          <a:effectRef idx="1">
+            <a:schemeClr val="accent1"/>
+          </a:effectRef>
+          <a:fontRef idx="minor">
+            <a:schemeClr val="tx1"/>
+          </a:fontRef>
+        </p:style>
+      </p:cxnSp>
+      <p:sp>
+        <p:nvSpPr>
+          <p:cNvPr id="35" name="TextBox 34"/>
+          <p:cNvSpPr txBox="1"/>
+          <p:nvPr/>
+        </p:nvSpPr>
+        <p:spPr>
+          <a:xfrm rot="19602588">
+            <a:off x="4447135" y="3858201"/>
+            <a:ext cx="2154068" cy="369332"/>
+          </a:xfrm>
+          <a:prstGeom prst="rect">
+            <a:avLst/>
+          </a:prstGeom>
+          <a:noFill/>
+        </p:spPr>
+        <p:txBody>
+          <a:bodyPr wrap="none" rtlCol="0">
+            <a:spAutoFit/>
+          </a:bodyPr>
+          <a:lstStyle/>
+          <a:p>
+            <a:pPr algn="ctr"/>
+            <a:r>
+              <a:rPr lang="en-GB"/>
+              <a:t>6</a:t>
+            </a:r>
+            <a:r>
+              <a:rPr lang="en-GB"/>
+              <a:t>.) Upload public key</a:t>
+            </a:r>
+          </a:p>
+        </p:txBody>
+      </p:sp>
+    </p:spTree>
+    <p:extLst>
+      <p:ext uri="{BB962C8B-B14F-4D97-AF65-F5344CB8AC3E}">
+        <p14:creationId xmlns:p14="http://schemas.microsoft.com/office/powerpoint/2010/main" val="723784694"/>
+      </p:ext>
+    </p:extLst>
+  </p:cSld>
+  <p:clrMapOvr>
+    <a:masterClrMapping/>
+  </p:clrMapOvr>
+</p:sld>
+</file>
+
+<file path=ppt/slides/slide3.xml><?xml version="1.0" encoding="utf-8"?>
+<p:sld xmlns:a="http://schemas.openxmlformats.org/drawingml/2006/main" xmlns:r="http://schemas.openxmlformats.org/officeDocument/2006/relationships" xmlns:p="http://schemas.openxmlformats.org/presentationml/2006/main">
+  <p:cSld>
+    <p:spTree>
+      <p:nvGrpSpPr>
+        <p:cNvPr id="1" name=""/>
+        <p:cNvGrpSpPr/>
+        <p:nvPr/>
+      </p:nvGrpSpPr>
+      <p:grpSpPr>
+        <a:xfrm>
+          <a:off x="0" y="0"/>
+          <a:ext cx="0" cy="0"/>
+          <a:chOff x="0" y="0"/>
+          <a:chExt cx="0" cy="0"/>
+        </a:xfrm>
+      </p:grpSpPr>
+      <p:sp>
+        <p:nvSpPr>
+          <p:cNvPr id="4" name="Rectangle 3"/>
+          <p:cNvSpPr/>
+          <p:nvPr/>
+        </p:nvSpPr>
+        <p:spPr>
+          <a:xfrm>
+            <a:off x="1397000" y="4390572"/>
+            <a:ext cx="2013857" cy="979714"/>
+          </a:xfrm>
+          <a:prstGeom prst="rect">
+            <a:avLst/>
+          </a:prstGeom>
+        </p:spPr>
+        <p:style>
+          <a:lnRef idx="1">
+            <a:schemeClr val="accent1"/>
+          </a:lnRef>
+          <a:fillRef idx="3">
+            <a:schemeClr val="accent1"/>
+          </a:fillRef>
+          <a:effectRef idx="2">
+            <a:schemeClr val="accent1"/>
+          </a:effectRef>
+          <a:fontRef idx="minor">
+            <a:schemeClr val="lt1"/>
+          </a:fontRef>
+        </p:style>
+        <p:txBody>
+          <a:bodyPr rtlCol="0" anchor="ctr"/>
+          <a:lstStyle/>
+          <a:p>
+            <a:pPr algn="ctr"/>
+            <a:r>
+              <a:rPr lang="en-GB"/>
+              <a:t>Mobile device</a:t>
+            </a:r>
+          </a:p>
+          <a:p>
+            <a:pPr algn="ctr"/>
+            <a:r>
+              <a:rPr lang="en-GB"/>
+              <a:t>(Android)</a:t>
+            </a:r>
+          </a:p>
+        </p:txBody>
+      </p:sp>
+      <p:sp>
+        <p:nvSpPr>
+          <p:cNvPr id="5" name="Rectangle 4"/>
+          <p:cNvSpPr/>
+          <p:nvPr/>
+        </p:nvSpPr>
+        <p:spPr>
+          <a:xfrm>
+            <a:off x="6656614" y="4390572"/>
+            <a:ext cx="2013857" cy="979714"/>
+          </a:xfrm>
+          <a:prstGeom prst="rect">
+            <a:avLst/>
+          </a:prstGeom>
+        </p:spPr>
+        <p:style>
+          <a:lnRef idx="1">
+            <a:schemeClr val="accent1"/>
+          </a:lnRef>
+          <a:fillRef idx="3">
+            <a:schemeClr val="accent1"/>
+          </a:fillRef>
+          <a:effectRef idx="2">
+            <a:schemeClr val="accent1"/>
+          </a:effectRef>
+          <a:fontRef idx="minor">
+            <a:schemeClr val="lt1"/>
+          </a:fontRef>
+        </p:style>
+        <p:txBody>
+          <a:bodyPr rtlCol="0" anchor="ctr"/>
+          <a:lstStyle/>
+          <a:p>
+            <a:pPr algn="ctr"/>
+            <a:r>
+              <a:rPr lang="en-GB"/>
+              <a:t>Door system</a:t>
+            </a:r>
+          </a:p>
+          <a:p>
+            <a:pPr algn="ctr"/>
+            <a:r>
+              <a:rPr lang="en-GB"/>
+              <a:t>(NFC terminal + computer)</a:t>
+            </a:r>
+          </a:p>
+        </p:txBody>
+      </p:sp>
+      <p:sp>
+        <p:nvSpPr>
+          <p:cNvPr id="6" name="Oval 5"/>
+          <p:cNvSpPr/>
+          <p:nvPr/>
+        </p:nvSpPr>
+        <p:spPr>
+          <a:xfrm>
+            <a:off x="1397000" y="2311401"/>
+            <a:ext cx="2013857" cy="979714"/>
+          </a:xfrm>
+          <a:prstGeom prst="ellipse">
+            <a:avLst/>
+          </a:prstGeom>
+        </p:spPr>
+        <p:style>
+          <a:lnRef idx="1">
+            <a:schemeClr val="dk1"/>
+          </a:lnRef>
+          <a:fillRef idx="3">
+            <a:schemeClr val="dk1"/>
+          </a:fillRef>
+          <a:effectRef idx="2">
+            <a:schemeClr val="dk1"/>
+          </a:effectRef>
+          <a:fontRef idx="minor">
+            <a:schemeClr val="lt1"/>
+          </a:fontRef>
+        </p:style>
+        <p:txBody>
+          <a:bodyPr rtlCol="0" anchor="ctr"/>
+          <a:lstStyle/>
+          <a:p>
+            <a:pPr algn="ctr"/>
+            <a:r>
+              <a:rPr lang="en-GB"/>
+              <a:t>TUMOnline</a:t>
+            </a:r>
+          </a:p>
+        </p:txBody>
+      </p:sp>
+      <p:sp>
+        <p:nvSpPr>
+          <p:cNvPr id="7" name="Oval 6"/>
+          <p:cNvSpPr/>
+          <p:nvPr/>
+        </p:nvSpPr>
+        <p:spPr>
+          <a:xfrm>
+            <a:off x="6656614" y="1540329"/>
+            <a:ext cx="2013857" cy="979714"/>
+          </a:xfrm>
+          <a:prstGeom prst="ellipse">
+            <a:avLst/>
+          </a:prstGeom>
+        </p:spPr>
+        <p:style>
+          <a:lnRef idx="1">
+            <a:schemeClr val="accent1"/>
+          </a:lnRef>
+          <a:fillRef idx="3">
+            <a:schemeClr val="accent1"/>
+          </a:fillRef>
+          <a:effectRef idx="2">
+            <a:schemeClr val="accent1"/>
+          </a:effectRef>
+          <a:fontRef idx="minor">
+            <a:schemeClr val="lt1"/>
+          </a:fontRef>
+        </p:style>
+        <p:txBody>
+          <a:bodyPr rtlCol="0" anchor="ctr"/>
+          <a:lstStyle/>
+          <a:p>
+            <a:pPr algn="ctr"/>
+            <a:r>
+              <a:rPr lang="en-GB"/>
+              <a:t>Backend server</a:t>
+            </a:r>
+          </a:p>
+        </p:txBody>
+      </p:sp>
+      <p:sp>
+        <p:nvSpPr>
+          <p:cNvPr id="8" name="Oval 7"/>
+          <p:cNvSpPr/>
+          <p:nvPr/>
+        </p:nvSpPr>
+        <p:spPr>
+          <a:xfrm>
+            <a:off x="1397000" y="812801"/>
+            <a:ext cx="2013857" cy="979714"/>
+          </a:xfrm>
+          <a:prstGeom prst="ellipse">
+            <a:avLst/>
+          </a:prstGeom>
+        </p:spPr>
+        <p:style>
+          <a:lnRef idx="1">
+            <a:schemeClr val="dk1"/>
+          </a:lnRef>
+          <a:fillRef idx="3">
+            <a:schemeClr val="dk1"/>
+          </a:fillRef>
+          <a:effectRef idx="2">
+            <a:schemeClr val="dk1"/>
+          </a:effectRef>
+          <a:fontRef idx="minor">
+            <a:schemeClr val="lt1"/>
+          </a:fontRef>
+        </p:style>
+        <p:txBody>
+          <a:bodyPr rtlCol="0" anchor="ctr"/>
+          <a:lstStyle/>
+          <a:p>
+            <a:pPr algn="ctr"/>
+            <a:r>
+              <a:rPr lang="en-GB"/>
+              <a:t>TUM Active Directory</a:t>
+            </a:r>
+          </a:p>
+        </p:txBody>
+      </p:sp>
+      <p:cxnSp>
+        <p:nvCxnSpPr>
+          <p:cNvPr id="13" name="Straight Arrow Connector 12"/>
+          <p:cNvCxnSpPr>
+            <a:stCxn id="7" idx="1"/>
+            <a:endCxn id="8" idx="6"/>
+          </p:cNvCxnSpPr>
+          <p:nvPr/>
+        </p:nvCxnSpPr>
+        <p:spPr>
+          <a:xfrm flipH="1" flipV="1">
+            <a:off x="3410857" y="1302658"/>
+            <a:ext cx="3540680" cy="381147"/>
+          </a:xfrm>
+          <a:prstGeom prst="straightConnector1">
+            <a:avLst/>
+          </a:prstGeom>
+          <a:ln>
+            <a:solidFill>
+              <a:schemeClr val="tx1">
+                <a:lumMod val="75000"/>
+                <a:lumOff val="25000"/>
+              </a:schemeClr>
+            </a:solidFill>
+            <a:tailEnd type="arrow"/>
+          </a:ln>
+        </p:spPr>
+        <p:style>
+          <a:lnRef idx="2">
+            <a:schemeClr val="accent1"/>
+          </a:lnRef>
+          <a:fillRef idx="0">
+            <a:schemeClr val="accent1"/>
+          </a:fillRef>
+          <a:effectRef idx="1">
+            <a:schemeClr val="accent1"/>
+          </a:effectRef>
+          <a:fontRef idx="minor">
+            <a:schemeClr val="tx1"/>
+          </a:fontRef>
+        </p:style>
+      </p:cxnSp>
+      <p:sp>
+        <p:nvSpPr>
+          <p:cNvPr id="16" name="TextBox 15"/>
+          <p:cNvSpPr txBox="1"/>
+          <p:nvPr/>
+        </p:nvSpPr>
+        <p:spPr>
+          <a:xfrm rot="352965">
+            <a:off x="4123751" y="1143385"/>
+            <a:ext cx="2122171" cy="369332"/>
+          </a:xfrm>
+          <a:prstGeom prst="rect">
+            <a:avLst/>
+          </a:prstGeom>
+          <a:noFill/>
+        </p:spPr>
+        <p:txBody>
+          <a:bodyPr wrap="none" rtlCol="0">
+            <a:spAutoFit/>
+          </a:bodyPr>
+          <a:lstStyle/>
+          <a:p>
+            <a:pPr algn="ctr"/>
+            <a:r>
+              <a:rPr lang="en-GB"/>
+              <a:t>3.) Check user status</a:t>
+            </a:r>
+          </a:p>
+        </p:txBody>
+      </p:sp>
+      <p:cxnSp>
+        <p:nvCxnSpPr>
+          <p:cNvPr id="18" name="Straight Arrow Connector 17"/>
+          <p:cNvCxnSpPr>
+            <a:stCxn id="7" idx="4"/>
+            <a:endCxn id="5" idx="0"/>
+          </p:cNvCxnSpPr>
+          <p:nvPr/>
+        </p:nvCxnSpPr>
+        <p:spPr>
+          <a:xfrm>
+            <a:off x="7663543" y="2520043"/>
+            <a:ext cx="0" cy="1870529"/>
+          </a:xfrm>
+          <a:prstGeom prst="straightConnector1">
+            <a:avLst/>
+          </a:prstGeom>
+          <a:ln>
+            <a:solidFill>
+              <a:schemeClr val="tx1">
+                <a:lumMod val="75000"/>
+                <a:lumOff val="25000"/>
+              </a:schemeClr>
+            </a:solidFill>
+            <a:headEnd type="arrow"/>
+            <a:tailEnd type="arrow"/>
+          </a:ln>
+        </p:spPr>
+        <p:style>
+          <a:lnRef idx="2">
+            <a:schemeClr val="accent1"/>
+          </a:lnRef>
+          <a:fillRef idx="0">
+            <a:schemeClr val="accent1"/>
+          </a:fillRef>
+          <a:effectRef idx="1">
+            <a:schemeClr val="accent1"/>
+          </a:effectRef>
+          <a:fontRef idx="minor">
+            <a:schemeClr val="tx1"/>
+          </a:fontRef>
+        </p:style>
+      </p:cxnSp>
+      <p:sp>
+        <p:nvSpPr>
+          <p:cNvPr id="19" name="TextBox 18"/>
+          <p:cNvSpPr txBox="1"/>
+          <p:nvPr/>
+        </p:nvSpPr>
+        <p:spPr>
+          <a:xfrm>
+            <a:off x="6594399" y="3145974"/>
+            <a:ext cx="2138288" cy="646331"/>
+          </a:xfrm>
+          <a:prstGeom prst="rect">
+            <a:avLst/>
+          </a:prstGeom>
+          <a:solidFill>
+            <a:schemeClr val="bg1"/>
+          </a:solidFill>
+        </p:spPr>
+        <p:txBody>
+          <a:bodyPr wrap="none" rtlCol="0">
+            <a:spAutoFit/>
+          </a:bodyPr>
+          <a:lstStyle/>
+          <a:p>
+            <a:r>
+              <a:rPr lang="en-GB"/>
+              <a:t>2/4.) Request/return</a:t>
+            </a:r>
+          </a:p>
+          <a:p>
+            <a:r>
+              <a:rPr lang="en-GB"/>
+              <a:t>         </a:t>
+            </a:r>
+            <a:r>
+              <a:rPr lang="en-GB"/>
+              <a:t> K</a:t>
+            </a:r>
+            <a:r>
+              <a:rPr lang="en-GB" baseline="-25000"/>
+              <a:t>pub</a:t>
+            </a:r>
+            <a:r>
+              <a:rPr lang="en-GB"/>
+              <a:t> of user</a:t>
+            </a:r>
+          </a:p>
+        </p:txBody>
+      </p:sp>
+      <p:cxnSp>
+        <p:nvCxnSpPr>
+          <p:cNvPr id="20" name="Straight Arrow Connector 19"/>
+          <p:cNvCxnSpPr/>
+          <p:nvPr/>
+        </p:nvCxnSpPr>
+        <p:spPr>
+          <a:xfrm>
+            <a:off x="3410857" y="4708072"/>
+            <a:ext cx="3245757" cy="0"/>
+          </a:xfrm>
+          <a:prstGeom prst="straightConnector1">
+            <a:avLst/>
+          </a:prstGeom>
+          <a:ln>
+            <a:solidFill>
+              <a:schemeClr val="tx1">
+                <a:lumMod val="75000"/>
+                <a:lumOff val="25000"/>
+              </a:schemeClr>
+            </a:solidFill>
+            <a:headEnd type="none"/>
+            <a:tailEnd type="arrow"/>
+          </a:ln>
+        </p:spPr>
+        <p:style>
+          <a:lnRef idx="2">
+            <a:schemeClr val="accent1"/>
+          </a:lnRef>
+          <a:fillRef idx="0">
+            <a:schemeClr val="accent1"/>
+          </a:fillRef>
+          <a:effectRef idx="1">
+            <a:schemeClr val="accent1"/>
+          </a:effectRef>
+          <a:fontRef idx="minor">
+            <a:schemeClr val="tx1"/>
+          </a:fontRef>
+        </p:style>
+      </p:cxnSp>
+      <p:sp>
+        <p:nvSpPr>
+          <p:cNvPr id="23" name="TextBox 22"/>
+          <p:cNvSpPr txBox="1"/>
+          <p:nvPr/>
+        </p:nvSpPr>
+        <p:spPr>
+          <a:xfrm>
+            <a:off x="3734226" y="4354288"/>
+            <a:ext cx="2737799" cy="369332"/>
+          </a:xfrm>
+          <a:prstGeom prst="rect">
+            <a:avLst/>
+          </a:prstGeom>
+          <a:noFill/>
+        </p:spPr>
+        <p:txBody>
+          <a:bodyPr wrap="none" rtlCol="0">
+            <a:spAutoFit/>
+          </a:bodyPr>
+          <a:lstStyle/>
+          <a:p>
+            <a:r>
+              <a:rPr lang="en-GB"/>
+              <a:t>1.) Init NFC communication</a:t>
+            </a:r>
+          </a:p>
+        </p:txBody>
+      </p:sp>
+      <p:cxnSp>
+        <p:nvCxnSpPr>
+          <p:cNvPr id="21" name="Straight Arrow Connector 20"/>
+          <p:cNvCxnSpPr/>
+          <p:nvPr/>
+        </p:nvCxnSpPr>
+        <p:spPr>
+          <a:xfrm>
+            <a:off x="3410857" y="5043707"/>
+            <a:ext cx="3245757" cy="0"/>
+          </a:xfrm>
+          <a:prstGeom prst="straightConnector1">
+            <a:avLst/>
+          </a:prstGeom>
+          <a:ln>
+            <a:solidFill>
+              <a:schemeClr val="tx1">
+                <a:lumMod val="75000"/>
+                <a:lumOff val="25000"/>
+              </a:schemeClr>
+            </a:solidFill>
+            <a:headEnd type="arrow"/>
+            <a:tailEnd type="arrow"/>
+          </a:ln>
+        </p:spPr>
+        <p:style>
+          <a:lnRef idx="2">
+            <a:schemeClr val="accent1"/>
+          </a:lnRef>
+          <a:fillRef idx="0">
+            <a:schemeClr val="accent1"/>
+          </a:fillRef>
+          <a:effectRef idx="1">
+            <a:schemeClr val="accent1"/>
+          </a:effectRef>
+          <a:fontRef idx="minor">
+            <a:schemeClr val="tx1"/>
+          </a:fontRef>
+        </p:style>
+      </p:cxnSp>
+      <p:sp>
+        <p:nvSpPr>
+          <p:cNvPr id="25" name="TextBox 24"/>
+          <p:cNvSpPr txBox="1"/>
+          <p:nvPr/>
+        </p:nvSpPr>
+        <p:spPr>
+          <a:xfrm>
+            <a:off x="3558977" y="5052779"/>
+            <a:ext cx="3022620" cy="369332"/>
+          </a:xfrm>
+          <a:prstGeom prst="rect">
+            <a:avLst/>
+          </a:prstGeom>
+          <a:noFill/>
+        </p:spPr>
+        <p:txBody>
+          <a:bodyPr wrap="none" rtlCol="0">
+            <a:spAutoFit/>
+          </a:bodyPr>
+          <a:lstStyle/>
+          <a:p>
+            <a:r>
+              <a:rPr lang="en-GB"/>
+              <a:t>5</a:t>
+            </a:r>
+            <a:r>
+              <a:rPr lang="en-GB"/>
+              <a:t>.) Continue 3-way handshake</a:t>
+            </a:r>
+          </a:p>
+        </p:txBody>
+      </p:sp>
+    </p:spTree>
+    <p:extLst>
+      <p:ext uri="{BB962C8B-B14F-4D97-AF65-F5344CB8AC3E}">
+        <p14:creationId xmlns:p14="http://schemas.microsoft.com/office/powerpoint/2010/main" val="723784694"/>
       </p:ext>
     </p:extLst>
   </p:cSld>
